--- a/img/manual/manual image edits.pptx
+++ b/img/manual/manual image edits.pptx
@@ -259,7 +259,7 @@
           <a:p>
             <a:fld id="{9F7416CA-0A8D-45A6-9AC8-8E6EEA49F2EE}" type="datetimeFigureOut">
               <a:rPr lang="en-US" smtClean="0"/>
-              <a:t>5/21/2020</a:t>
+              <a:t>6/17/2020</a:t>
             </a:fld>
             <a:endParaRPr lang="en-US"/>
           </a:p>
@@ -457,7 +457,7 @@
           <a:p>
             <a:fld id="{9F7416CA-0A8D-45A6-9AC8-8E6EEA49F2EE}" type="datetimeFigureOut">
               <a:rPr lang="en-US" smtClean="0"/>
-              <a:t>5/21/2020</a:t>
+              <a:t>6/17/2020</a:t>
             </a:fld>
             <a:endParaRPr lang="en-US"/>
           </a:p>
@@ -665,7 +665,7 @@
           <a:p>
             <a:fld id="{9F7416CA-0A8D-45A6-9AC8-8E6EEA49F2EE}" type="datetimeFigureOut">
               <a:rPr lang="en-US" smtClean="0"/>
-              <a:t>5/21/2020</a:t>
+              <a:t>6/17/2020</a:t>
             </a:fld>
             <a:endParaRPr lang="en-US"/>
           </a:p>
@@ -863,7 +863,7 @@
           <a:p>
             <a:fld id="{9F7416CA-0A8D-45A6-9AC8-8E6EEA49F2EE}" type="datetimeFigureOut">
               <a:rPr lang="en-US" smtClean="0"/>
-              <a:t>5/21/2020</a:t>
+              <a:t>6/17/2020</a:t>
             </a:fld>
             <a:endParaRPr lang="en-US"/>
           </a:p>
@@ -1138,7 +1138,7 @@
           <a:p>
             <a:fld id="{9F7416CA-0A8D-45A6-9AC8-8E6EEA49F2EE}" type="datetimeFigureOut">
               <a:rPr lang="en-US" smtClean="0"/>
-              <a:t>5/21/2020</a:t>
+              <a:t>6/17/2020</a:t>
             </a:fld>
             <a:endParaRPr lang="en-US"/>
           </a:p>
@@ -1403,7 +1403,7 @@
           <a:p>
             <a:fld id="{9F7416CA-0A8D-45A6-9AC8-8E6EEA49F2EE}" type="datetimeFigureOut">
               <a:rPr lang="en-US" smtClean="0"/>
-              <a:t>5/21/2020</a:t>
+              <a:t>6/17/2020</a:t>
             </a:fld>
             <a:endParaRPr lang="en-US"/>
           </a:p>
@@ -1815,7 +1815,7 @@
           <a:p>
             <a:fld id="{9F7416CA-0A8D-45A6-9AC8-8E6EEA49F2EE}" type="datetimeFigureOut">
               <a:rPr lang="en-US" smtClean="0"/>
-              <a:t>5/21/2020</a:t>
+              <a:t>6/17/2020</a:t>
             </a:fld>
             <a:endParaRPr lang="en-US"/>
           </a:p>
@@ -1956,7 +1956,7 @@
           <a:p>
             <a:fld id="{9F7416CA-0A8D-45A6-9AC8-8E6EEA49F2EE}" type="datetimeFigureOut">
               <a:rPr lang="en-US" smtClean="0"/>
-              <a:t>5/21/2020</a:t>
+              <a:t>6/17/2020</a:t>
             </a:fld>
             <a:endParaRPr lang="en-US"/>
           </a:p>
@@ -2069,7 +2069,7 @@
           <a:p>
             <a:fld id="{9F7416CA-0A8D-45A6-9AC8-8E6EEA49F2EE}" type="datetimeFigureOut">
               <a:rPr lang="en-US" smtClean="0"/>
-              <a:t>5/21/2020</a:t>
+              <a:t>6/17/2020</a:t>
             </a:fld>
             <a:endParaRPr lang="en-US"/>
           </a:p>
@@ -2380,7 +2380,7 @@
           <a:p>
             <a:fld id="{9F7416CA-0A8D-45A6-9AC8-8E6EEA49F2EE}" type="datetimeFigureOut">
               <a:rPr lang="en-US" smtClean="0"/>
-              <a:t>5/21/2020</a:t>
+              <a:t>6/17/2020</a:t>
             </a:fld>
             <a:endParaRPr lang="en-US"/>
           </a:p>
@@ -2668,7 +2668,7 @@
           <a:p>
             <a:fld id="{9F7416CA-0A8D-45A6-9AC8-8E6EEA49F2EE}" type="datetimeFigureOut">
               <a:rPr lang="en-US" smtClean="0"/>
-              <a:t>5/21/2020</a:t>
+              <a:t>6/17/2020</a:t>
             </a:fld>
             <a:endParaRPr lang="en-US"/>
           </a:p>
@@ -2909,7 +2909,7 @@
           <a:p>
             <a:fld id="{9F7416CA-0A8D-45A6-9AC8-8E6EEA49F2EE}" type="datetimeFigureOut">
               <a:rPr lang="en-US" smtClean="0"/>
-              <a:t>5/21/2020</a:t>
+              <a:t>6/17/2020</a:t>
             </a:fld>
             <a:endParaRPr lang="en-US"/>
           </a:p>
@@ -3328,10 +3328,10 @@
       </p:grpSpPr>
       <p:grpSp>
         <p:nvGrpSpPr>
-          <p:cNvPr id="4" name="Group 3">
-            <a:extLst>
-              <a:ext uri="{FF2B5EF4-FFF2-40B4-BE49-F238E27FC236}">
-                <a16:creationId xmlns:a16="http://schemas.microsoft.com/office/drawing/2014/main" id="{5D4955D9-0710-4518-BB38-00FCADEA795C}"/>
+          <p:cNvPr id="6" name="Group 5">
+            <a:extLst>
+              <a:ext uri="{FF2B5EF4-FFF2-40B4-BE49-F238E27FC236}">
+                <a16:creationId xmlns:a16="http://schemas.microsoft.com/office/drawing/2014/main" id="{CBD78250-32F1-446C-BF65-6E8F99F81703}"/>
               </a:ext>
             </a:extLst>
           </p:cNvPr>
@@ -3340,18 +3340,18 @@
         </p:nvGrpSpPr>
         <p:grpSpPr>
           <a:xfrm>
-            <a:off x="538226" y="620977"/>
-            <a:ext cx="11115547" cy="5616046"/>
-            <a:chOff x="538226" y="620977"/>
-            <a:chExt cx="11115547" cy="5616046"/>
+            <a:off x="653373" y="843247"/>
+            <a:ext cx="10885251" cy="5295108"/>
+            <a:chOff x="653373" y="843247"/>
+            <a:chExt cx="10885251" cy="5295108"/>
           </a:xfrm>
         </p:grpSpPr>
         <p:pic>
           <p:nvPicPr>
-            <p:cNvPr id="3" name="Picture 2" descr="A screenshot of a computer&#10;&#10;Description automatically generated">
+            <p:cNvPr id="5" name="Picture 4" descr="A screenshot of a computer&#10;&#10;Description automatically generated">
               <a:extLst>
                 <a:ext uri="{FF2B5EF4-FFF2-40B4-BE49-F238E27FC236}">
-                  <a16:creationId xmlns:a16="http://schemas.microsoft.com/office/drawing/2014/main" id="{EC9217EB-BEEA-415B-BCA7-56DFC5744473}"/>
+                  <a16:creationId xmlns:a16="http://schemas.microsoft.com/office/drawing/2014/main" id="{A5B6F858-6FB8-4451-9B3D-DDF09042151A}"/>
                 </a:ext>
               </a:extLst>
             </p:cNvPr>
@@ -3374,8 +3374,8 @@
           </p:blipFill>
           <p:spPr>
             <a:xfrm>
-              <a:off x="538226" y="620977"/>
-              <a:ext cx="11115547" cy="5616046"/>
+              <a:off x="653373" y="843247"/>
+              <a:ext cx="10885251" cy="5295108"/>
             </a:xfrm>
             <a:prstGeom prst="rect">
               <a:avLst/>
@@ -3396,7 +3396,7 @@
           </p:nvSpPr>
           <p:spPr>
             <a:xfrm>
-              <a:off x="1793966" y="1252946"/>
+              <a:off x="1745327" y="1364871"/>
               <a:ext cx="293716" cy="293716"/>
             </a:xfrm>
             <a:prstGeom prst="ellipse">
@@ -3459,7 +3459,7 @@
           </p:nvSpPr>
           <p:spPr>
             <a:xfrm>
-              <a:off x="6885313" y="1658587"/>
+              <a:off x="844436" y="4508792"/>
               <a:ext cx="293716" cy="293716"/>
             </a:xfrm>
             <a:prstGeom prst="ellipse">
@@ -3711,7 +3711,7 @@
           </p:nvSpPr>
           <p:spPr>
             <a:xfrm>
-              <a:off x="10814218" y="5844639"/>
+              <a:off x="10804490" y="5776545"/>
               <a:ext cx="293716" cy="293716"/>
             </a:xfrm>
             <a:prstGeom prst="ellipse">
